--- a/draft-gandhi-spring-rfc6374-srpm-udp-4.pptx
+++ b/draft-gandhi-spring-rfc6374-srpm-udp-4.pptx
@@ -5074,8 +5074,8 @@
         </p:nvSpPr>
         <p:spPr>
           <a:xfrm>
-            <a:off x="0" y="283369"/>
-            <a:ext cx="9144000" cy="1500187"/>
+            <a:off x="228600" y="438150"/>
+            <a:ext cx="8686800" cy="1500187"/>
           </a:xfrm>
         </p:spPr>
         <p:txBody>
@@ -5085,7 +5085,7 @@
           <a:lstStyle/>
           <a:p>
             <a:r>
-              <a:rPr lang="en-US" sz="3400" dirty="0"/>
+              <a:rPr lang="en-US" sz="3200" dirty="0"/>
               <a:t>Performance Measurement Using RFC 6374 with UDP Path for Segment Routing Networks</a:t>
             </a:r>
           </a:p>
@@ -5103,7 +5103,7 @@
         </p:nvSpPr>
         <p:spPr>
           <a:xfrm>
-            <a:off x="723900" y="1783556"/>
+            <a:off x="723900" y="1938337"/>
             <a:ext cx="7696200" cy="685800"/>
           </a:xfrm>
         </p:spPr>
@@ -5128,7 +5128,7 @@
         </p:nvSpPr>
         <p:spPr bwMode="auto">
           <a:xfrm>
-            <a:off x="1371600" y="2520552"/>
+            <a:off x="1371600" y="2675333"/>
             <a:ext cx="7239000" cy="1426370"/>
           </a:xfrm>
           <a:prstGeom prst="rect">

--- a/draft-gandhi-spring-rfc6374-srpm-udp-4.pptx
+++ b/draft-gandhi-spring-rfc6374-srpm-udp-4.pptx
@@ -258,7 +258,7 @@
           <a:p>
             <a:fld id="{E8FA3DB5-7722-3F4F-947D-12B203669AD7}" type="datetimeFigureOut">
               <a:rPr lang="en-US" smtClean="0"/>
-              <a:t>6/9/20</a:t>
+              <a:t>6/10/20</a:t>
             </a:fld>
             <a:endParaRPr lang="en-US"/>
           </a:p>
@@ -6582,8 +6582,8 @@
         </p:nvSpPr>
         <p:spPr bwMode="auto">
           <a:xfrm>
-            <a:off x="76200" y="2328505"/>
-            <a:ext cx="4419600" cy="2262158"/>
+            <a:off x="228600" y="2179207"/>
+            <a:ext cx="4419600" cy="2385268"/>
           </a:xfrm>
           <a:prstGeom prst="rect">
             <a:avLst/>
@@ -7664,7 +7664,69 @@
                 <a:ea typeface="Times New Roman" panose="02020603050405020304" pitchFamily="18" charset="0"/>
                 <a:cs typeface="Times New Roman" panose="02020603050405020304" pitchFamily="18" charset="0"/>
               </a:rPr>
-              <a:t>    . Message as specified in Section 3.1 of RFC 6374 for LM        .</a:t>
+              <a:t>    . Message as specified in Section 3.1 of RFC 6374 for LM, or    .</a:t>
+            </a:r>
+            <a:endParaRPr kumimoji="0" lang="en-US" altLang="en-US" sz="800" u="none" strike="noStrike" cap="none" normalizeH="0" baseline="0" dirty="0">
+              <a:ln>
+                <a:noFill/>
+              </a:ln>
+              <a:solidFill>
+                <a:schemeClr val="tx1"/>
+              </a:solidFill>
+              <a:effectLst/>
+              <a:latin typeface="Courier" pitchFamily="2" charset="0"/>
+            </a:endParaRPr>
+          </a:p>
+          <a:p>
+            <a:pPr lvl="0"/>
+            <a:r>
+              <a:rPr kumimoji="0" lang="en-US" altLang="en-US" sz="800" u="none" strike="noStrike" cap="none" normalizeH="0" baseline="0" dirty="0">
+                <a:ln>
+                  <a:noFill/>
+                </a:ln>
+                <a:solidFill>
+                  <a:schemeClr val="tx1"/>
+                </a:solidFill>
+                <a:effectLst/>
+                <a:latin typeface="Courier" pitchFamily="2" charset="0"/>
+                <a:ea typeface="Times New Roman" panose="02020603050405020304" pitchFamily="18" charset="0"/>
+                <a:cs typeface="Times New Roman" panose="02020603050405020304" pitchFamily="18" charset="0"/>
+              </a:rPr>
+              <a:t>    </a:t>
+            </a:r>
+            <a:r>
+              <a:rPr lang="en-US" altLang="en-US" sz="800" dirty="0">
+                <a:latin typeface="Courier" pitchFamily="2" charset="0"/>
+                <a:ea typeface="Times New Roman" panose="02020603050405020304" pitchFamily="18" charset="0"/>
+                <a:cs typeface="Times New Roman" panose="02020603050405020304" pitchFamily="18" charset="0"/>
+              </a:rPr>
+              <a:t>. Message as specified in Section 3.3 of RFC 6374 for LM/DM     .</a:t>
+            </a:r>
+          </a:p>
+          <a:p>
+            <a:pPr lvl="0"/>
+            <a:r>
+              <a:rPr lang="en-US" altLang="en-US" sz="800" dirty="0">
+                <a:latin typeface="Courier" pitchFamily="2" charset="0"/>
+                <a:ea typeface="Times New Roman" panose="02020603050405020304" pitchFamily="18" charset="0"/>
+                <a:cs typeface="Times New Roman" panose="02020603050405020304" pitchFamily="18" charset="0"/>
+              </a:rPr>
+              <a:t>    .                                                               </a:t>
+            </a:r>
+            <a:r>
+              <a:rPr kumimoji="0" lang="en-US" altLang="en-US" sz="800" u="none" strike="noStrike" cap="none" normalizeH="0" baseline="0" dirty="0">
+                <a:ln>
+                  <a:noFill/>
+                </a:ln>
+                <a:solidFill>
+                  <a:schemeClr val="tx1"/>
+                </a:solidFill>
+                <a:effectLst/>
+                <a:latin typeface="Courier" pitchFamily="2" charset="0"/>
+                <a:ea typeface="Times New Roman" panose="02020603050405020304" pitchFamily="18" charset="0"/>
+                <a:cs typeface="Times New Roman" panose="02020603050405020304" pitchFamily="18" charset="0"/>
+              </a:rPr>
+              <a:t>.</a:t>
             </a:r>
             <a:endParaRPr kumimoji="0" lang="en-US" altLang="en-US" sz="800" u="none" strike="noStrike" cap="none" normalizeH="0" baseline="0" dirty="0">
               <a:ln>
@@ -7722,7 +7784,7 @@
                 <a:ea typeface="Times New Roman" panose="02020603050405020304" pitchFamily="18" charset="0"/>
                 <a:cs typeface="Times New Roman" panose="02020603050405020304" pitchFamily="18" charset="0"/>
               </a:rPr>
-              <a:t>    .                                                               .</a:t>
+              <a:t>    +---------------------------------------------------------------+</a:t>
             </a:r>
             <a:endParaRPr kumimoji="0" lang="en-US" altLang="en-US" sz="800" u="none" strike="noStrike" cap="none" normalizeH="0" baseline="0" dirty="0">
               <a:ln>
@@ -7780,18 +7842,8 @@
                 <a:ea typeface="Times New Roman" panose="02020603050405020304" pitchFamily="18" charset="0"/>
                 <a:cs typeface="Times New Roman" panose="02020603050405020304" pitchFamily="18" charset="0"/>
               </a:rPr>
-              <a:t>    +---------------------------------------------------------------+</a:t>
-            </a:r>
-            <a:endParaRPr kumimoji="0" lang="en-US" altLang="en-US" sz="800" u="none" strike="noStrike" cap="none" normalizeH="0" baseline="0" dirty="0">
-              <a:ln>
-                <a:noFill/>
-              </a:ln>
-              <a:solidFill>
-                <a:schemeClr val="tx1"/>
-              </a:solidFill>
-              <a:effectLst/>
-              <a:latin typeface="Courier" pitchFamily="2" charset="0"/>
-            </a:endParaRPr>
+              <a:t>                    </a:t>
+            </a:r>
           </a:p>
           <a:p>
             <a:pPr marR="0" lvl="0" algn="l" defTabSz="914400" rtl="0" eaLnBrk="0" fontAlgn="base" latinLnBrk="0" hangingPunct="0">
@@ -7826,6 +7878,14 @@
               </a:tabLst>
             </a:pPr>
             <a:r>
+              <a:rPr lang="en-US" altLang="en-US" sz="800" dirty="0">
+                <a:latin typeface="Courier" pitchFamily="2" charset="0"/>
+                <a:ea typeface="Times New Roman" panose="02020603050405020304" pitchFamily="18" charset="0"/>
+                <a:cs typeface="Times New Roman" panose="02020603050405020304" pitchFamily="18" charset="0"/>
+              </a:rPr>
+              <a:t>                     </a:t>
+            </a:r>
+            <a:r>
               <a:rPr kumimoji="0" lang="en-US" altLang="en-US" sz="800" u="none" strike="noStrike" cap="none" normalizeH="0" baseline="0" dirty="0">
                 <a:ln>
                   <a:noFill/>
@@ -7838,11 +7898,53 @@
                 <a:ea typeface="Times New Roman" panose="02020603050405020304" pitchFamily="18" charset="0"/>
                 <a:cs typeface="Times New Roman" panose="02020603050405020304" pitchFamily="18" charset="0"/>
               </a:rPr>
-              <a:t>                    </a:t>
-            </a:r>
-          </a:p>
-          <a:p>
-            <a:pPr marR="0" lvl="0" algn="l" defTabSz="914400" rtl="0" eaLnBrk="0" fontAlgn="base" latinLnBrk="0" hangingPunct="0">
+              <a:t>Figure: Probe Response Message</a:t>
+            </a:r>
+          </a:p>
+        </p:txBody>
+      </p:sp>
+      <p:sp>
+        <p:nvSpPr>
+          <p:cNvPr id="10" name="Rectangle 3">
+            <a:extLst>
+              <a:ext uri="{FF2B5EF4-FFF2-40B4-BE49-F238E27FC236}">
+                <a16:creationId xmlns:a16="http://schemas.microsoft.com/office/drawing/2014/main" id="{F931A306-5560-9B46-9F5D-9AB7AB639DA4}"/>
+              </a:ext>
+            </a:extLst>
+          </p:cNvPr>
+          <p:cNvSpPr>
+            <a:spLocks noChangeArrowheads="1"/>
+          </p:cNvSpPr>
+          <p:nvPr/>
+        </p:nvSpPr>
+        <p:spPr bwMode="auto">
+          <a:xfrm>
+            <a:off x="4724400" y="2179207"/>
+            <a:ext cx="4191000" cy="2385268"/>
+          </a:xfrm>
+          <a:prstGeom prst="rect">
+            <a:avLst/>
+          </a:prstGeom>
+          <a:solidFill>
+            <a:schemeClr val="bg1">
+              <a:lumMod val="95000"/>
+            </a:schemeClr>
+          </a:solidFill>
+          <a:ln>
+            <a:noFill/>
+          </a:ln>
+          <a:effectLst/>
+        </p:spPr>
+        <p:txBody>
+          <a:bodyPr vert="horz" wrap="square" lIns="91440" tIns="45720" rIns="91440" bIns="0" numCol="1" anchor="ctr" anchorCtr="0" compatLnSpc="1">
+            <a:prstTxWarp prst="textNoShape">
+              <a:avLst/>
+            </a:prstTxWarp>
+            <a:spAutoFit/>
+          </a:bodyPr>
+          <a:lstStyle/>
+          <a:p>
+            <a:pPr marL="0" marR="0" lvl="0" indent="0" algn="l" defTabSz="914400" rtl="0" eaLnBrk="0" fontAlgn="base" latinLnBrk="0" hangingPunct="0">
               <a:lnSpc>
                 <a:spcPct val="100000"/>
               </a:lnSpc>
@@ -7854,6 +7956,407 @@
               </a:spcAft>
               <a:buClrTx/>
               <a:buSzTx/>
+              <a:buFontTx/>
+              <a:buNone/>
+              <a:tabLst/>
+            </a:pPr>
+            <a:r>
+              <a:rPr kumimoji="0" lang="en-US" altLang="en-US" sz="800" u="none" strike="noStrike" cap="none" normalizeH="0" baseline="0" dirty="0">
+                <a:ln>
+                  <a:noFill/>
+                </a:ln>
+                <a:solidFill>
+                  <a:schemeClr val="tx1"/>
+                </a:solidFill>
+                <a:effectLst/>
+                <a:latin typeface="Courier" pitchFamily="2" charset="0"/>
+                <a:ea typeface="Times New Roman" panose="02020603050405020304" pitchFamily="18" charset="0"/>
+              </a:rPr>
+              <a:t>+---------------------------------------------------------------+</a:t>
+            </a:r>
+          </a:p>
+          <a:p>
+            <a:pPr marL="0" marR="0" lvl="0" indent="0" algn="l" defTabSz="914400" rtl="0" eaLnBrk="0" fontAlgn="base" latinLnBrk="0" hangingPunct="0">
+              <a:lnSpc>
+                <a:spcPct val="100000"/>
+              </a:lnSpc>
+              <a:spcBef>
+                <a:spcPct val="0"/>
+              </a:spcBef>
+              <a:spcAft>
+                <a:spcPct val="0"/>
+              </a:spcAft>
+              <a:buClrTx/>
+              <a:buSzTx/>
+              <a:buFontTx/>
+              <a:buNone/>
+              <a:tabLst/>
+            </a:pPr>
+            <a:r>
+              <a:rPr kumimoji="0" lang="en-US" altLang="en-US" sz="800" u="none" strike="noStrike" cap="none" normalizeH="0" baseline="0" dirty="0">
+                <a:ln>
+                  <a:noFill/>
+                </a:ln>
+                <a:solidFill>
+                  <a:schemeClr val="tx1"/>
+                </a:solidFill>
+                <a:effectLst/>
+                <a:latin typeface="Courier" pitchFamily="2" charset="0"/>
+                <a:ea typeface="Times New Roman" panose="02020603050405020304" pitchFamily="18" charset="0"/>
+              </a:rPr>
+              <a:t>| IP Header                                                     |</a:t>
+            </a:r>
+          </a:p>
+          <a:p>
+            <a:pPr marL="0" marR="0" lvl="0" indent="0" algn="l" defTabSz="914400" rtl="0" eaLnBrk="0" fontAlgn="base" latinLnBrk="0" hangingPunct="0">
+              <a:lnSpc>
+                <a:spcPct val="100000"/>
+              </a:lnSpc>
+              <a:spcBef>
+                <a:spcPct val="0"/>
+              </a:spcBef>
+              <a:spcAft>
+                <a:spcPct val="0"/>
+              </a:spcAft>
+              <a:buClrTx/>
+              <a:buSzTx/>
+              <a:buFontTx/>
+              <a:buNone/>
+              <a:tabLst/>
+            </a:pPr>
+            <a:r>
+              <a:rPr kumimoji="0" lang="en-US" altLang="en-US" sz="800" u="none" strike="noStrike" cap="none" normalizeH="0" baseline="0" dirty="0">
+                <a:ln>
+                  <a:noFill/>
+                </a:ln>
+                <a:solidFill>
+                  <a:schemeClr val="tx1"/>
+                </a:solidFill>
+                <a:effectLst/>
+                <a:latin typeface="Courier" pitchFamily="2" charset="0"/>
+                <a:ea typeface="Times New Roman" panose="02020603050405020304" pitchFamily="18" charset="0"/>
+              </a:rPr>
+              <a:t>.  Source IP Address = Responder IPv4 or IPv6 Address           .</a:t>
+            </a:r>
+          </a:p>
+          <a:p>
+            <a:pPr marL="0" marR="0" lvl="0" indent="0" algn="l" defTabSz="914400" rtl="0" eaLnBrk="0" fontAlgn="base" latinLnBrk="0" hangingPunct="0">
+              <a:lnSpc>
+                <a:spcPct val="100000"/>
+              </a:lnSpc>
+              <a:spcBef>
+                <a:spcPct val="0"/>
+              </a:spcBef>
+              <a:spcAft>
+                <a:spcPct val="0"/>
+              </a:spcAft>
+              <a:buClrTx/>
+              <a:buSzTx/>
+              <a:buFontTx/>
+              <a:buNone/>
+              <a:tabLst/>
+            </a:pPr>
+            <a:r>
+              <a:rPr kumimoji="0" lang="en-US" altLang="en-US" sz="800" u="none" strike="noStrike" cap="none" normalizeH="0" baseline="0" dirty="0">
+                <a:ln>
+                  <a:noFill/>
+                </a:ln>
+                <a:solidFill>
+                  <a:schemeClr val="tx1"/>
+                </a:solidFill>
+                <a:effectLst/>
+                <a:latin typeface="Courier" pitchFamily="2" charset="0"/>
+                <a:ea typeface="Times New Roman" panose="02020603050405020304" pitchFamily="18" charset="0"/>
+              </a:rPr>
+              <a:t>.  Destination IP Address = </a:t>
+            </a:r>
+            <a:r>
+              <a:rPr kumimoji="0" lang="en-US" altLang="en-US" sz="800" u="none" strike="noStrike" cap="none" normalizeH="0" baseline="0" dirty="0" err="1">
+                <a:ln>
+                  <a:noFill/>
+                </a:ln>
+                <a:solidFill>
+                  <a:schemeClr val="tx1"/>
+                </a:solidFill>
+                <a:effectLst/>
+                <a:latin typeface="Courier" pitchFamily="2" charset="0"/>
+                <a:ea typeface="Times New Roman" panose="02020603050405020304" pitchFamily="18" charset="0"/>
+              </a:rPr>
+              <a:t>URO.Address</a:t>
+            </a:r>
+            <a:r>
+              <a:rPr kumimoji="0" lang="en-US" altLang="en-US" sz="800" u="none" strike="noStrike" cap="none" normalizeH="0" baseline="0" dirty="0">
+                <a:ln>
+                  <a:noFill/>
+                </a:ln>
+                <a:solidFill>
+                  <a:schemeClr val="tx1"/>
+                </a:solidFill>
+                <a:effectLst/>
+                <a:latin typeface="Courier" pitchFamily="2" charset="0"/>
+                <a:ea typeface="Times New Roman" panose="02020603050405020304" pitchFamily="18" charset="0"/>
+              </a:rPr>
+              <a:t>                         .</a:t>
+            </a:r>
+          </a:p>
+          <a:p>
+            <a:pPr marL="0" marR="0" lvl="0" indent="0" algn="l" defTabSz="914400" rtl="0" eaLnBrk="0" fontAlgn="base" latinLnBrk="0" hangingPunct="0">
+              <a:lnSpc>
+                <a:spcPct val="100000"/>
+              </a:lnSpc>
+              <a:spcBef>
+                <a:spcPct val="0"/>
+              </a:spcBef>
+              <a:spcAft>
+                <a:spcPct val="0"/>
+              </a:spcAft>
+              <a:buClrTx/>
+              <a:buSzTx/>
+              <a:buFontTx/>
+              <a:buNone/>
+              <a:tabLst/>
+            </a:pPr>
+            <a:r>
+              <a:rPr kumimoji="0" lang="en-US" altLang="en-US" sz="800" u="none" strike="noStrike" cap="none" normalizeH="0" baseline="0" dirty="0">
+                <a:ln>
+                  <a:noFill/>
+                </a:ln>
+                <a:solidFill>
+                  <a:schemeClr val="tx1"/>
+                </a:solidFill>
+                <a:effectLst/>
+                <a:latin typeface="Courier" pitchFamily="2" charset="0"/>
+                <a:ea typeface="Times New Roman" panose="02020603050405020304" pitchFamily="18" charset="0"/>
+              </a:rPr>
+              <a:t>.  Protocol = UDP                                               .</a:t>
+            </a:r>
+          </a:p>
+          <a:p>
+            <a:pPr marL="0" marR="0" lvl="0" indent="0" algn="l" defTabSz="914400" rtl="0" eaLnBrk="0" fontAlgn="base" latinLnBrk="0" hangingPunct="0">
+              <a:lnSpc>
+                <a:spcPct val="100000"/>
+              </a:lnSpc>
+              <a:spcBef>
+                <a:spcPct val="0"/>
+              </a:spcBef>
+              <a:spcAft>
+                <a:spcPct val="0"/>
+              </a:spcAft>
+              <a:buClrTx/>
+              <a:buSzTx/>
+              <a:buFontTx/>
+              <a:buNone/>
+              <a:tabLst/>
+            </a:pPr>
+            <a:r>
+              <a:rPr kumimoji="0" lang="en-US" altLang="en-US" sz="800" u="none" strike="noStrike" cap="none" normalizeH="0" baseline="0" dirty="0">
+                <a:ln>
+                  <a:noFill/>
+                </a:ln>
+                <a:solidFill>
+                  <a:schemeClr val="tx1"/>
+                </a:solidFill>
+                <a:effectLst/>
+                <a:latin typeface="Courier" pitchFamily="2" charset="0"/>
+                <a:ea typeface="Times New Roman" panose="02020603050405020304" pitchFamily="18" charset="0"/>
+              </a:rPr>
+              <a:t>.                                                               .</a:t>
+            </a:r>
+          </a:p>
+          <a:p>
+            <a:pPr marL="0" marR="0" lvl="0" indent="0" algn="l" defTabSz="914400" rtl="0" eaLnBrk="0" fontAlgn="base" latinLnBrk="0" hangingPunct="0">
+              <a:lnSpc>
+                <a:spcPct val="100000"/>
+              </a:lnSpc>
+              <a:spcBef>
+                <a:spcPct val="0"/>
+              </a:spcBef>
+              <a:spcAft>
+                <a:spcPct val="0"/>
+              </a:spcAft>
+              <a:buClrTx/>
+              <a:buSzTx/>
+              <a:buFontTx/>
+              <a:buNone/>
+              <a:tabLst/>
+            </a:pPr>
+            <a:r>
+              <a:rPr kumimoji="0" lang="en-US" altLang="en-US" sz="800" u="none" strike="noStrike" cap="none" normalizeH="0" baseline="0" dirty="0">
+                <a:ln>
+                  <a:noFill/>
+                </a:ln>
+                <a:solidFill>
+                  <a:schemeClr val="tx1"/>
+                </a:solidFill>
+                <a:effectLst/>
+                <a:latin typeface="Courier" pitchFamily="2" charset="0"/>
+                <a:ea typeface="Times New Roman" panose="02020603050405020304" pitchFamily="18" charset="0"/>
+              </a:rPr>
+              <a:t>+---------------------------------------------------------------+</a:t>
+            </a:r>
+          </a:p>
+          <a:p>
+            <a:pPr marL="0" marR="0" lvl="0" indent="0" algn="l" defTabSz="914400" rtl="0" eaLnBrk="0" fontAlgn="base" latinLnBrk="0" hangingPunct="0">
+              <a:lnSpc>
+                <a:spcPct val="100000"/>
+              </a:lnSpc>
+              <a:spcBef>
+                <a:spcPct val="0"/>
+              </a:spcBef>
+              <a:spcAft>
+                <a:spcPct val="0"/>
+              </a:spcAft>
+              <a:buClrTx/>
+              <a:buSzTx/>
+              <a:buFontTx/>
+              <a:buNone/>
+              <a:tabLst/>
+            </a:pPr>
+            <a:r>
+              <a:rPr lang="en-US" altLang="en-US" sz="800" dirty="0">
+                <a:latin typeface="Courier" pitchFamily="2" charset="0"/>
+                <a:ea typeface="Times New Roman" panose="02020603050405020304" pitchFamily="18" charset="0"/>
+              </a:rPr>
+              <a:t>| UDP Header                                                    |</a:t>
+            </a:r>
+          </a:p>
+          <a:p>
+            <a:pPr marL="0" marR="0" lvl="0" indent="0" algn="l" defTabSz="914400" rtl="0" eaLnBrk="0" fontAlgn="base" latinLnBrk="0" hangingPunct="0">
+              <a:lnSpc>
+                <a:spcPct val="100000"/>
+              </a:lnSpc>
+              <a:spcBef>
+                <a:spcPct val="0"/>
+              </a:spcBef>
+              <a:spcAft>
+                <a:spcPct val="0"/>
+              </a:spcAft>
+              <a:buClrTx/>
+              <a:buSzTx/>
+              <a:buFontTx/>
+              <a:buNone/>
+              <a:tabLst/>
+            </a:pPr>
+            <a:r>
+              <a:rPr lang="en-US" altLang="en-US" sz="800" dirty="0">
+                <a:latin typeface="Courier" pitchFamily="2" charset="0"/>
+                <a:ea typeface="Times New Roman" panose="02020603050405020304" pitchFamily="18" charset="0"/>
+              </a:rPr>
+              <a:t>. </a:t>
+            </a:r>
+            <a:r>
+              <a:rPr kumimoji="0" lang="en-US" altLang="en-US" sz="800" u="none" strike="noStrike" cap="none" normalizeH="0" baseline="0" dirty="0">
+                <a:ln>
+                  <a:noFill/>
+                </a:ln>
+                <a:solidFill>
+                  <a:schemeClr val="tx1"/>
+                </a:solidFill>
+                <a:effectLst/>
+                <a:latin typeface="Courier" pitchFamily="2" charset="0"/>
+                <a:ea typeface="Times New Roman" panose="02020603050405020304" pitchFamily="18" charset="0"/>
+              </a:rPr>
+              <a:t>Source Port = As chosen by Responder                          .</a:t>
+            </a:r>
+          </a:p>
+          <a:p>
+            <a:pPr marL="0" marR="0" lvl="0" indent="0" algn="l" defTabSz="914400" rtl="0" eaLnBrk="0" fontAlgn="base" latinLnBrk="0" hangingPunct="0">
+              <a:lnSpc>
+                <a:spcPct val="100000"/>
+              </a:lnSpc>
+              <a:spcBef>
+                <a:spcPct val="0"/>
+              </a:spcBef>
+              <a:spcAft>
+                <a:spcPct val="0"/>
+              </a:spcAft>
+              <a:buClrTx/>
+              <a:buSzTx/>
+              <a:buFontTx/>
+              <a:buNone/>
+              <a:tabLst/>
+            </a:pPr>
+            <a:r>
+              <a:rPr kumimoji="0" lang="en-US" altLang="en-US" sz="800" u="none" strike="noStrike" cap="none" normalizeH="0" baseline="0" dirty="0">
+                <a:ln>
+                  <a:noFill/>
+                </a:ln>
+                <a:solidFill>
+                  <a:schemeClr val="tx1"/>
+                </a:solidFill>
+                <a:effectLst/>
+                <a:latin typeface="Courier" pitchFamily="2" charset="0"/>
+                <a:ea typeface="Times New Roman" panose="02020603050405020304" pitchFamily="18" charset="0"/>
+              </a:rPr>
+              <a:t>.  Destination Port = URO.UDP-Destination-Port                  .</a:t>
+            </a:r>
+          </a:p>
+          <a:p>
+            <a:pPr marL="0" marR="0" lvl="0" indent="0" algn="l" defTabSz="914400" rtl="0" eaLnBrk="0" fontAlgn="base" latinLnBrk="0" hangingPunct="0">
+              <a:lnSpc>
+                <a:spcPct val="100000"/>
+              </a:lnSpc>
+              <a:spcBef>
+                <a:spcPct val="0"/>
+              </a:spcBef>
+              <a:spcAft>
+                <a:spcPct val="0"/>
+              </a:spcAft>
+              <a:buClrTx/>
+              <a:buSzTx/>
+              <a:buFontTx/>
+              <a:buNone/>
+              <a:tabLst/>
+            </a:pPr>
+            <a:r>
+              <a:rPr kumimoji="0" lang="en-US" altLang="en-US" sz="800" u="none" strike="noStrike" cap="none" normalizeH="0" baseline="0" dirty="0">
+                <a:ln>
+                  <a:noFill/>
+                </a:ln>
+                <a:solidFill>
+                  <a:schemeClr val="tx1"/>
+                </a:solidFill>
+                <a:effectLst/>
+                <a:latin typeface="Courier" pitchFamily="2" charset="0"/>
+                <a:ea typeface="Times New Roman" panose="02020603050405020304" pitchFamily="18" charset="0"/>
+              </a:rPr>
+              <a:t>.                                                               .</a:t>
+            </a:r>
+          </a:p>
+          <a:p>
+            <a:pPr marL="0" marR="0" lvl="0" indent="0" algn="l" defTabSz="914400" rtl="0" eaLnBrk="0" fontAlgn="base" latinLnBrk="0" hangingPunct="0">
+              <a:lnSpc>
+                <a:spcPct val="100000"/>
+              </a:lnSpc>
+              <a:spcBef>
+                <a:spcPct val="0"/>
+              </a:spcBef>
+              <a:spcAft>
+                <a:spcPct val="0"/>
+              </a:spcAft>
+              <a:buClrTx/>
+              <a:buSzTx/>
+              <a:buFontTx/>
+              <a:buNone/>
+              <a:tabLst/>
+            </a:pPr>
+            <a:r>
+              <a:rPr kumimoji="0" lang="en-US" altLang="en-US" sz="800" u="none" strike="noStrike" cap="none" normalizeH="0" baseline="0" dirty="0">
+                <a:ln>
+                  <a:noFill/>
+                </a:ln>
+                <a:solidFill>
+                  <a:schemeClr val="tx1"/>
+                </a:solidFill>
+                <a:effectLst/>
+                <a:latin typeface="Courier" pitchFamily="2" charset="0"/>
+                <a:ea typeface="Times New Roman" panose="02020603050405020304" pitchFamily="18" charset="0"/>
+              </a:rPr>
+              <a:t>+---------------------------------------------------------------+</a:t>
+            </a:r>
+          </a:p>
+          <a:p>
+            <a:pPr lvl="0" eaLnBrk="0" hangingPunct="0">
               <a:tabLst>
                 <a:tab pos="581025" algn="l"/>
                 <a:tab pos="1163638" algn="l"/>
@@ -7879,8 +8382,58 @@
                 <a:ea typeface="Times New Roman" panose="02020603050405020304" pitchFamily="18" charset="0"/>
                 <a:cs typeface="Times New Roman" panose="02020603050405020304" pitchFamily="18" charset="0"/>
               </a:rPr>
-              <a:t>                     </a:t>
-            </a:r>
+              <a:t>| Message as specified in Section 3.2 of RFC 6374 for DM, or    |</a:t>
+            </a:r>
+            <a:endParaRPr lang="en-US" altLang="en-US" sz="800" dirty="0">
+              <a:latin typeface="Courier" pitchFamily="2" charset="0"/>
+            </a:endParaRPr>
+          </a:p>
+          <a:p>
+            <a:pPr lvl="0" eaLnBrk="0" hangingPunct="0">
+              <a:tabLst>
+                <a:tab pos="581025" algn="l"/>
+                <a:tab pos="1163638" algn="l"/>
+                <a:tab pos="1744663" algn="l"/>
+                <a:tab pos="2327275" algn="l"/>
+                <a:tab pos="2908300" algn="l"/>
+                <a:tab pos="3489325" algn="l"/>
+                <a:tab pos="4071938" algn="l"/>
+                <a:tab pos="4652963" algn="l"/>
+                <a:tab pos="5235575" algn="l"/>
+                <a:tab pos="5816600" algn="l"/>
+                <a:tab pos="6397625" algn="l"/>
+                <a:tab pos="6980238" algn="l"/>
+                <a:tab pos="7561263" algn="l"/>
+                <a:tab pos="8143875" algn="l"/>
+                <a:tab pos="8724900" algn="l"/>
+                <a:tab pos="9305925" algn="l"/>
+              </a:tabLst>
+            </a:pPr>
+            <a:r>
+              <a:rPr lang="en-US" altLang="en-US" sz="800" dirty="0">
+                <a:latin typeface="Courier" pitchFamily="2" charset="0"/>
+                <a:ea typeface="Times New Roman" panose="02020603050405020304" pitchFamily="18" charset="0"/>
+                <a:cs typeface="Times New Roman" panose="02020603050405020304" pitchFamily="18" charset="0"/>
+              </a:rPr>
+              <a:t>. Message as specified in Section 3.1 of RFC 6374 for LM, or    .</a:t>
+            </a:r>
+            <a:endParaRPr lang="en-US" altLang="en-US" sz="800" dirty="0">
+              <a:latin typeface="Courier" pitchFamily="2" charset="0"/>
+            </a:endParaRPr>
+          </a:p>
+          <a:p>
+            <a:pPr lvl="0"/>
+            <a:r>
+              <a:rPr lang="en-US" altLang="en-US" sz="800" dirty="0">
+                <a:latin typeface="Courier" pitchFamily="2" charset="0"/>
+                <a:ea typeface="Times New Roman" panose="02020603050405020304" pitchFamily="18" charset="0"/>
+                <a:cs typeface="Times New Roman" panose="02020603050405020304" pitchFamily="18" charset="0"/>
+              </a:rPr>
+              <a:t>. Message as specified in Section 3.3 of RFC 6374 for LM/DM     .</a:t>
+            </a:r>
+          </a:p>
+          <a:p>
+            <a:pPr lvl="0"/>
             <a:r>
               <a:rPr kumimoji="0" lang="en-US" altLang="en-US" sz="800" u="none" strike="noStrike" cap="none" normalizeH="0" baseline="0" dirty="0">
                 <a:ln>
@@ -7892,53 +8445,10 @@
                 <a:effectLst/>
                 <a:latin typeface="Courier" pitchFamily="2" charset="0"/>
                 <a:ea typeface="Times New Roman" panose="02020603050405020304" pitchFamily="18" charset="0"/>
-                <a:cs typeface="Times New Roman" panose="02020603050405020304" pitchFamily="18" charset="0"/>
-              </a:rPr>
-              <a:t>Figure: Probe Response Message</a:t>
-            </a:r>
-          </a:p>
-        </p:txBody>
-      </p:sp>
-      <p:sp>
-        <p:nvSpPr>
-          <p:cNvPr id="10" name="Rectangle 3">
-            <a:extLst>
-              <a:ext uri="{FF2B5EF4-FFF2-40B4-BE49-F238E27FC236}">
-                <a16:creationId xmlns:a16="http://schemas.microsoft.com/office/drawing/2014/main" id="{F931A306-5560-9B46-9F5D-9AB7AB639DA4}"/>
-              </a:ext>
-            </a:extLst>
-          </p:cNvPr>
-          <p:cNvSpPr>
-            <a:spLocks noChangeArrowheads="1"/>
-          </p:cNvSpPr>
-          <p:nvPr/>
-        </p:nvSpPr>
-        <p:spPr bwMode="auto">
-          <a:xfrm>
-            <a:off x="4724400" y="2328505"/>
-            <a:ext cx="4191000" cy="2262158"/>
-          </a:xfrm>
-          <a:prstGeom prst="rect">
-            <a:avLst/>
-          </a:prstGeom>
-          <a:solidFill>
-            <a:schemeClr val="bg1">
-              <a:lumMod val="95000"/>
-            </a:schemeClr>
-          </a:solidFill>
-          <a:ln>
-            <a:noFill/>
-          </a:ln>
-          <a:effectLst/>
-        </p:spPr>
-        <p:txBody>
-          <a:bodyPr vert="horz" wrap="square" lIns="91440" tIns="45720" rIns="91440" bIns="0" numCol="1" anchor="ctr" anchorCtr="0" compatLnSpc="1">
-            <a:prstTxWarp prst="textNoShape">
-              <a:avLst/>
-            </a:prstTxWarp>
-            <a:spAutoFit/>
-          </a:bodyPr>
-          <a:lstStyle/>
+              </a:rPr>
+              <a:t>.                                                               .</a:t>
+            </a:r>
+          </a:p>
           <a:p>
             <a:pPr marL="0" marR="0" lvl="0" indent="0" algn="l" defTabSz="914400" rtl="0" eaLnBrk="0" fontAlgn="base" latinLnBrk="0" hangingPunct="0">
               <a:lnSpc>
@@ -7968,516 +8478,12 @@
                 <a:latin typeface="Courier" pitchFamily="2" charset="0"/>
                 <a:ea typeface="Times New Roman" panose="02020603050405020304" pitchFamily="18" charset="0"/>
               </a:rPr>
-              <a:t>+---------------------------------------------------------------+    </a:t>
-            </a:r>
-          </a:p>
-          <a:p>
-            <a:pPr marL="0" marR="0" lvl="0" indent="0" algn="l" defTabSz="914400" rtl="0" eaLnBrk="0" fontAlgn="base" latinLnBrk="0" hangingPunct="0">
-              <a:lnSpc>
-                <a:spcPct val="100000"/>
-              </a:lnSpc>
-              <a:spcBef>
-                <a:spcPct val="0"/>
-              </a:spcBef>
-              <a:spcAft>
-                <a:spcPct val="0"/>
-              </a:spcAft>
-              <a:buClrTx/>
-              <a:buSzTx/>
-              <a:buFontTx/>
-              <a:buNone/>
-              <a:tabLst/>
-            </a:pPr>
-            <a:r>
-              <a:rPr kumimoji="0" lang="en-US" altLang="en-US" sz="800" u="none" strike="noStrike" cap="none" normalizeH="0" baseline="0" dirty="0">
-                <a:ln>
-                  <a:noFill/>
-                </a:ln>
-                <a:solidFill>
-                  <a:schemeClr val="tx1"/>
-                </a:solidFill>
-                <a:effectLst/>
-                <a:latin typeface="Courier" pitchFamily="2" charset="0"/>
-                <a:ea typeface="Times New Roman" panose="02020603050405020304" pitchFamily="18" charset="0"/>
-              </a:rPr>
-              <a:t>| IP Header                                                     |    </a:t>
-            </a:r>
-          </a:p>
-          <a:p>
-            <a:pPr marL="0" marR="0" lvl="0" indent="0" algn="l" defTabSz="914400" rtl="0" eaLnBrk="0" fontAlgn="base" latinLnBrk="0" hangingPunct="0">
-              <a:lnSpc>
-                <a:spcPct val="100000"/>
-              </a:lnSpc>
-              <a:spcBef>
-                <a:spcPct val="0"/>
-              </a:spcBef>
-              <a:spcAft>
-                <a:spcPct val="0"/>
-              </a:spcAft>
-              <a:buClrTx/>
-              <a:buSzTx/>
-              <a:buFontTx/>
-              <a:buNone/>
-              <a:tabLst/>
-            </a:pPr>
-            <a:r>
-              <a:rPr kumimoji="0" lang="en-US" altLang="en-US" sz="800" u="none" strike="noStrike" cap="none" normalizeH="0" baseline="0" dirty="0">
-                <a:ln>
-                  <a:noFill/>
-                </a:ln>
-                <a:solidFill>
-                  <a:schemeClr val="tx1"/>
-                </a:solidFill>
-                <a:effectLst/>
-                <a:latin typeface="Courier" pitchFamily="2" charset="0"/>
-                <a:ea typeface="Times New Roman" panose="02020603050405020304" pitchFamily="18" charset="0"/>
-              </a:rPr>
-              <a:t>.  Source IP Address = Responder IPv4 or IPv6 Address           .</a:t>
-            </a:r>
-          </a:p>
-          <a:p>
-            <a:pPr marL="0" marR="0" lvl="0" indent="0" algn="l" defTabSz="914400" rtl="0" eaLnBrk="0" fontAlgn="base" latinLnBrk="0" hangingPunct="0">
-              <a:lnSpc>
-                <a:spcPct val="100000"/>
-              </a:lnSpc>
-              <a:spcBef>
-                <a:spcPct val="0"/>
-              </a:spcBef>
-              <a:spcAft>
-                <a:spcPct val="0"/>
-              </a:spcAft>
-              <a:buClrTx/>
-              <a:buSzTx/>
-              <a:buFontTx/>
-              <a:buNone/>
-              <a:tabLst/>
-            </a:pPr>
-            <a:r>
-              <a:rPr kumimoji="0" lang="en-US" altLang="en-US" sz="800" u="none" strike="noStrike" cap="none" normalizeH="0" baseline="0" dirty="0">
-                <a:ln>
-                  <a:noFill/>
-                </a:ln>
-                <a:solidFill>
-                  <a:schemeClr val="tx1"/>
-                </a:solidFill>
-                <a:effectLst/>
-                <a:latin typeface="Courier" pitchFamily="2" charset="0"/>
-                <a:ea typeface="Times New Roman" panose="02020603050405020304" pitchFamily="18" charset="0"/>
-              </a:rPr>
-              <a:t>.  Destination IP Address = </a:t>
-            </a:r>
-            <a:r>
-              <a:rPr kumimoji="0" lang="en-US" altLang="en-US" sz="800" u="none" strike="noStrike" cap="none" normalizeH="0" baseline="0" dirty="0" err="1">
-                <a:ln>
-                  <a:noFill/>
-                </a:ln>
-                <a:solidFill>
-                  <a:schemeClr val="tx1"/>
-                </a:solidFill>
-                <a:effectLst/>
-                <a:latin typeface="Courier" pitchFamily="2" charset="0"/>
-                <a:ea typeface="Times New Roman" panose="02020603050405020304" pitchFamily="18" charset="0"/>
-              </a:rPr>
-              <a:t>URO.Address</a:t>
-            </a:r>
-            <a:r>
-              <a:rPr kumimoji="0" lang="en-US" altLang="en-US" sz="800" u="none" strike="noStrike" cap="none" normalizeH="0" baseline="0" dirty="0">
-                <a:ln>
-                  <a:noFill/>
-                </a:ln>
-                <a:solidFill>
-                  <a:schemeClr val="tx1"/>
-                </a:solidFill>
-                <a:effectLst/>
-                <a:latin typeface="Courier" pitchFamily="2" charset="0"/>
-                <a:ea typeface="Times New Roman" panose="02020603050405020304" pitchFamily="18" charset="0"/>
-              </a:rPr>
-              <a:t>                         .    </a:t>
-            </a:r>
-          </a:p>
-          <a:p>
-            <a:pPr marL="0" marR="0" lvl="0" indent="0" algn="l" defTabSz="914400" rtl="0" eaLnBrk="0" fontAlgn="base" latinLnBrk="0" hangingPunct="0">
-              <a:lnSpc>
-                <a:spcPct val="100000"/>
-              </a:lnSpc>
-              <a:spcBef>
-                <a:spcPct val="0"/>
-              </a:spcBef>
-              <a:spcAft>
-                <a:spcPct val="0"/>
-              </a:spcAft>
-              <a:buClrTx/>
-              <a:buSzTx/>
-              <a:buFontTx/>
-              <a:buNone/>
-              <a:tabLst/>
-            </a:pPr>
-            <a:r>
-              <a:rPr kumimoji="0" lang="en-US" altLang="en-US" sz="800" u="none" strike="noStrike" cap="none" normalizeH="0" baseline="0" dirty="0">
-                <a:ln>
-                  <a:noFill/>
-                </a:ln>
-                <a:solidFill>
-                  <a:schemeClr val="tx1"/>
-                </a:solidFill>
-                <a:effectLst/>
-                <a:latin typeface="Courier" pitchFamily="2" charset="0"/>
-                <a:ea typeface="Times New Roman" panose="02020603050405020304" pitchFamily="18" charset="0"/>
-              </a:rPr>
-              <a:t>.  Protocol = UDP                                               .    </a:t>
-            </a:r>
-          </a:p>
-          <a:p>
-            <a:pPr marL="0" marR="0" lvl="0" indent="0" algn="l" defTabSz="914400" rtl="0" eaLnBrk="0" fontAlgn="base" latinLnBrk="0" hangingPunct="0">
-              <a:lnSpc>
-                <a:spcPct val="100000"/>
-              </a:lnSpc>
-              <a:spcBef>
-                <a:spcPct val="0"/>
-              </a:spcBef>
-              <a:spcAft>
-                <a:spcPct val="0"/>
-              </a:spcAft>
-              <a:buClrTx/>
-              <a:buSzTx/>
-              <a:buFontTx/>
-              <a:buNone/>
-              <a:tabLst/>
-            </a:pPr>
-            <a:r>
-              <a:rPr kumimoji="0" lang="en-US" altLang="en-US" sz="800" u="none" strike="noStrike" cap="none" normalizeH="0" baseline="0" dirty="0">
-                <a:ln>
-                  <a:noFill/>
-                </a:ln>
-                <a:solidFill>
-                  <a:schemeClr val="tx1"/>
-                </a:solidFill>
-                <a:effectLst/>
-                <a:latin typeface="Courier" pitchFamily="2" charset="0"/>
-                <a:ea typeface="Times New Roman" panose="02020603050405020304" pitchFamily="18" charset="0"/>
-              </a:rPr>
-              <a:t>.                                                               .    </a:t>
-            </a:r>
-          </a:p>
-          <a:p>
-            <a:pPr marL="0" marR="0" lvl="0" indent="0" algn="l" defTabSz="914400" rtl="0" eaLnBrk="0" fontAlgn="base" latinLnBrk="0" hangingPunct="0">
-              <a:lnSpc>
-                <a:spcPct val="100000"/>
-              </a:lnSpc>
-              <a:spcBef>
-                <a:spcPct val="0"/>
-              </a:spcBef>
-              <a:spcAft>
-                <a:spcPct val="0"/>
-              </a:spcAft>
-              <a:buClrTx/>
-              <a:buSzTx/>
-              <a:buFontTx/>
-              <a:buNone/>
-              <a:tabLst/>
-            </a:pPr>
-            <a:r>
-              <a:rPr kumimoji="0" lang="en-US" altLang="en-US" sz="800" u="none" strike="noStrike" cap="none" normalizeH="0" baseline="0" dirty="0">
-                <a:ln>
-                  <a:noFill/>
-                </a:ln>
-                <a:solidFill>
-                  <a:schemeClr val="tx1"/>
-                </a:solidFill>
-                <a:effectLst/>
-                <a:latin typeface="Courier" pitchFamily="2" charset="0"/>
-                <a:ea typeface="Times New Roman" panose="02020603050405020304" pitchFamily="18" charset="0"/>
-              </a:rPr>
-              <a:t>+---------------------------------------------------------------+ </a:t>
-            </a:r>
-          </a:p>
-          <a:p>
-            <a:pPr marL="0" marR="0" lvl="0" indent="0" algn="l" defTabSz="914400" rtl="0" eaLnBrk="0" fontAlgn="base" latinLnBrk="0" hangingPunct="0">
-              <a:lnSpc>
-                <a:spcPct val="100000"/>
-              </a:lnSpc>
-              <a:spcBef>
-                <a:spcPct val="0"/>
-              </a:spcBef>
-              <a:spcAft>
-                <a:spcPct val="0"/>
-              </a:spcAft>
-              <a:buClrTx/>
-              <a:buSzTx/>
-              <a:buFontTx/>
-              <a:buNone/>
-              <a:tabLst/>
-            </a:pPr>
-            <a:r>
-              <a:rPr lang="en-US" altLang="en-US" sz="800" dirty="0">
-                <a:latin typeface="Courier" pitchFamily="2" charset="0"/>
-                <a:ea typeface="Times New Roman" panose="02020603050405020304" pitchFamily="18" charset="0"/>
-              </a:rPr>
-              <a:t>| UDP Header                                                    |    </a:t>
-            </a:r>
-          </a:p>
-          <a:p>
-            <a:pPr marL="0" marR="0" lvl="0" indent="0" algn="l" defTabSz="914400" rtl="0" eaLnBrk="0" fontAlgn="base" latinLnBrk="0" hangingPunct="0">
-              <a:lnSpc>
-                <a:spcPct val="100000"/>
-              </a:lnSpc>
-              <a:spcBef>
-                <a:spcPct val="0"/>
-              </a:spcBef>
-              <a:spcAft>
-                <a:spcPct val="0"/>
-              </a:spcAft>
-              <a:buClrTx/>
-              <a:buSzTx/>
-              <a:buFontTx/>
-              <a:buNone/>
-              <a:tabLst/>
-            </a:pPr>
-            <a:r>
-              <a:rPr lang="en-US" altLang="en-US" sz="800" dirty="0">
-                <a:latin typeface="Courier" pitchFamily="2" charset="0"/>
-                <a:ea typeface="Times New Roman" panose="02020603050405020304" pitchFamily="18" charset="0"/>
-              </a:rPr>
-              <a:t>. </a:t>
-            </a:r>
-            <a:r>
-              <a:rPr kumimoji="0" lang="en-US" altLang="en-US" sz="800" u="none" strike="noStrike" cap="none" normalizeH="0" baseline="0" dirty="0">
-                <a:ln>
-                  <a:noFill/>
-                </a:ln>
-                <a:solidFill>
-                  <a:schemeClr val="tx1"/>
-                </a:solidFill>
-                <a:effectLst/>
-                <a:latin typeface="Courier" pitchFamily="2" charset="0"/>
-                <a:ea typeface="Times New Roman" panose="02020603050405020304" pitchFamily="18" charset="0"/>
-              </a:rPr>
-              <a:t>Source Port = As chosen by Responder                          .    </a:t>
-            </a:r>
-          </a:p>
-          <a:p>
-            <a:pPr marL="0" marR="0" lvl="0" indent="0" algn="l" defTabSz="914400" rtl="0" eaLnBrk="0" fontAlgn="base" latinLnBrk="0" hangingPunct="0">
-              <a:lnSpc>
-                <a:spcPct val="100000"/>
-              </a:lnSpc>
-              <a:spcBef>
-                <a:spcPct val="0"/>
-              </a:spcBef>
-              <a:spcAft>
-                <a:spcPct val="0"/>
-              </a:spcAft>
-              <a:buClrTx/>
-              <a:buSzTx/>
-              <a:buFontTx/>
-              <a:buNone/>
-              <a:tabLst/>
-            </a:pPr>
-            <a:r>
-              <a:rPr kumimoji="0" lang="en-US" altLang="en-US" sz="800" u="none" strike="noStrike" cap="none" normalizeH="0" baseline="0" dirty="0">
-                <a:ln>
-                  <a:noFill/>
-                </a:ln>
-                <a:solidFill>
-                  <a:schemeClr val="tx1"/>
-                </a:solidFill>
-                <a:effectLst/>
-                <a:latin typeface="Courier" pitchFamily="2" charset="0"/>
-                <a:ea typeface="Times New Roman" panose="02020603050405020304" pitchFamily="18" charset="0"/>
-              </a:rPr>
-              <a:t>.  Destination Port = URO.UDP-Destination-Port                  .    </a:t>
-            </a:r>
-          </a:p>
-          <a:p>
-            <a:pPr marL="0" marR="0" lvl="0" indent="0" algn="l" defTabSz="914400" rtl="0" eaLnBrk="0" fontAlgn="base" latinLnBrk="0" hangingPunct="0">
-              <a:lnSpc>
-                <a:spcPct val="100000"/>
-              </a:lnSpc>
-              <a:spcBef>
-                <a:spcPct val="0"/>
-              </a:spcBef>
-              <a:spcAft>
-                <a:spcPct val="0"/>
-              </a:spcAft>
-              <a:buClrTx/>
-              <a:buSzTx/>
-              <a:buFontTx/>
-              <a:buNone/>
-              <a:tabLst/>
-            </a:pPr>
-            <a:r>
-              <a:rPr kumimoji="0" lang="en-US" altLang="en-US" sz="800" u="none" strike="noStrike" cap="none" normalizeH="0" baseline="0" dirty="0">
-                <a:ln>
-                  <a:noFill/>
-                </a:ln>
-                <a:solidFill>
-                  <a:schemeClr val="tx1"/>
-                </a:solidFill>
-                <a:effectLst/>
-                <a:latin typeface="Courier" pitchFamily="2" charset="0"/>
-                <a:ea typeface="Times New Roman" panose="02020603050405020304" pitchFamily="18" charset="0"/>
-              </a:rPr>
-              <a:t>.                                                               .    </a:t>
-            </a:r>
-          </a:p>
-          <a:p>
-            <a:pPr marL="0" marR="0" lvl="0" indent="0" algn="l" defTabSz="914400" rtl="0" eaLnBrk="0" fontAlgn="base" latinLnBrk="0" hangingPunct="0">
-              <a:lnSpc>
-                <a:spcPct val="100000"/>
-              </a:lnSpc>
-              <a:spcBef>
-                <a:spcPct val="0"/>
-              </a:spcBef>
-              <a:spcAft>
-                <a:spcPct val="0"/>
-              </a:spcAft>
-              <a:buClrTx/>
-              <a:buSzTx/>
-              <a:buFontTx/>
-              <a:buNone/>
-              <a:tabLst/>
-            </a:pPr>
-            <a:r>
-              <a:rPr kumimoji="0" lang="en-US" altLang="en-US" sz="800" u="none" strike="noStrike" cap="none" normalizeH="0" baseline="0" dirty="0">
-                <a:ln>
-                  <a:noFill/>
-                </a:ln>
-                <a:solidFill>
-                  <a:schemeClr val="tx1"/>
-                </a:solidFill>
-                <a:effectLst/>
-                <a:latin typeface="Courier" pitchFamily="2" charset="0"/>
-                <a:ea typeface="Times New Roman" panose="02020603050405020304" pitchFamily="18" charset="0"/>
-              </a:rPr>
-              <a:t>+---------------------------------------------------------------+    </a:t>
-            </a:r>
-          </a:p>
-          <a:p>
-            <a:pPr marL="0" marR="0" lvl="0" indent="0" algn="l" defTabSz="914400" rtl="0" eaLnBrk="0" fontAlgn="base" latinLnBrk="0" hangingPunct="0">
-              <a:lnSpc>
-                <a:spcPct val="100000"/>
-              </a:lnSpc>
-              <a:spcBef>
-                <a:spcPct val="0"/>
-              </a:spcBef>
-              <a:spcAft>
-                <a:spcPct val="0"/>
-              </a:spcAft>
-              <a:buClrTx/>
-              <a:buSzTx/>
-              <a:buFontTx/>
-              <a:buNone/>
-              <a:tabLst/>
-            </a:pPr>
-            <a:r>
-              <a:rPr kumimoji="0" lang="en-US" altLang="en-US" sz="800" u="none" strike="noStrike" cap="none" normalizeH="0" baseline="0" dirty="0">
-                <a:ln>
-                  <a:noFill/>
-                </a:ln>
-                <a:solidFill>
-                  <a:schemeClr val="tx1"/>
-                </a:solidFill>
-                <a:effectLst/>
-                <a:latin typeface="Courier" pitchFamily="2" charset="0"/>
-                <a:ea typeface="Times New Roman" panose="02020603050405020304" pitchFamily="18" charset="0"/>
-              </a:rPr>
-              <a:t>| Message as specified in Section 3.2 of RFC 6374 for DM, or    |    </a:t>
-            </a:r>
-          </a:p>
-          <a:p>
-            <a:pPr marL="0" marR="0" lvl="0" indent="0" algn="l" defTabSz="914400" rtl="0" eaLnBrk="0" fontAlgn="base" latinLnBrk="0" hangingPunct="0">
-              <a:lnSpc>
-                <a:spcPct val="100000"/>
-              </a:lnSpc>
-              <a:spcBef>
-                <a:spcPct val="0"/>
-              </a:spcBef>
-              <a:spcAft>
-                <a:spcPct val="0"/>
-              </a:spcAft>
-              <a:buClrTx/>
-              <a:buSzTx/>
-              <a:buFontTx/>
-              <a:buNone/>
-              <a:tabLst/>
-            </a:pPr>
-            <a:r>
-              <a:rPr kumimoji="0" lang="en-US" altLang="en-US" sz="800" u="none" strike="noStrike" cap="none" normalizeH="0" baseline="0" dirty="0">
-                <a:ln>
-                  <a:noFill/>
-                </a:ln>
-                <a:solidFill>
-                  <a:schemeClr val="tx1"/>
-                </a:solidFill>
-                <a:effectLst/>
-                <a:latin typeface="Courier" pitchFamily="2" charset="0"/>
-                <a:ea typeface="Times New Roman" panose="02020603050405020304" pitchFamily="18" charset="0"/>
-              </a:rPr>
-              <a:t>. Message as specified in Section 3.1 of RFC 6374 for LM        .    </a:t>
-            </a:r>
-          </a:p>
-          <a:p>
-            <a:pPr marL="0" marR="0" lvl="0" indent="0" algn="l" defTabSz="914400" rtl="0" eaLnBrk="0" fontAlgn="base" latinLnBrk="0" hangingPunct="0">
-              <a:lnSpc>
-                <a:spcPct val="100000"/>
-              </a:lnSpc>
-              <a:spcBef>
-                <a:spcPct val="0"/>
-              </a:spcBef>
-              <a:spcAft>
-                <a:spcPct val="0"/>
-              </a:spcAft>
-              <a:buClrTx/>
-              <a:buSzTx/>
-              <a:buFontTx/>
-              <a:buNone/>
-              <a:tabLst/>
-            </a:pPr>
-            <a:r>
-              <a:rPr kumimoji="0" lang="en-US" altLang="en-US" sz="800" u="none" strike="noStrike" cap="none" normalizeH="0" baseline="0" dirty="0">
-                <a:ln>
-                  <a:noFill/>
-                </a:ln>
-                <a:solidFill>
-                  <a:schemeClr val="tx1"/>
-                </a:solidFill>
-                <a:effectLst/>
-                <a:latin typeface="Courier" pitchFamily="2" charset="0"/>
-                <a:ea typeface="Times New Roman" panose="02020603050405020304" pitchFamily="18" charset="0"/>
-              </a:rPr>
-              <a:t>.                                                               .    </a:t>
-            </a:r>
-          </a:p>
-          <a:p>
-            <a:pPr marL="0" marR="0" lvl="0" indent="0" algn="l" defTabSz="914400" rtl="0" eaLnBrk="0" fontAlgn="base" latinLnBrk="0" hangingPunct="0">
-              <a:lnSpc>
-                <a:spcPct val="100000"/>
-              </a:lnSpc>
-              <a:spcBef>
-                <a:spcPct val="0"/>
-              </a:spcBef>
-              <a:spcAft>
-                <a:spcPct val="0"/>
-              </a:spcAft>
-              <a:buClrTx/>
-              <a:buSzTx/>
-              <a:buFontTx/>
-              <a:buNone/>
-              <a:tabLst/>
-            </a:pPr>
-            <a:r>
-              <a:rPr kumimoji="0" lang="en-US" altLang="en-US" sz="800" u="none" strike="noStrike" cap="none" normalizeH="0" baseline="0" dirty="0">
-                <a:ln>
-                  <a:noFill/>
-                </a:ln>
-                <a:solidFill>
-                  <a:schemeClr val="tx1"/>
-                </a:solidFill>
-                <a:effectLst/>
-                <a:latin typeface="Courier" pitchFamily="2" charset="0"/>
-                <a:ea typeface="Times New Roman" panose="02020603050405020304" pitchFamily="18" charset="0"/>
-              </a:rPr>
-              <a:t>+---------------------------------------------------------------+          </a:t>
-            </a:r>
+              <a:t>+---------------------------------------------------------------+</a:t>
+            </a:r>
+            <a:endParaRPr lang="en-US" altLang="en-US" sz="800" dirty="0">
+              <a:latin typeface="Courier" pitchFamily="2" charset="0"/>
+              <a:ea typeface="Times New Roman" panose="02020603050405020304" pitchFamily="18" charset="0"/>
+            </a:endParaRPr>
           </a:p>
           <a:p>
             <a:pPr marL="0" marR="0" lvl="0" indent="0" algn="l" defTabSz="914400" rtl="0" eaLnBrk="0" fontAlgn="base" latinLnBrk="0" hangingPunct="0">
@@ -9095,7 +9101,7 @@
         <p:spPr>
           <a:xfrm>
             <a:off x="234416" y="3398621"/>
-            <a:ext cx="3664394" cy="1077218"/>
+            <a:ext cx="3664394" cy="1323439"/>
           </a:xfrm>
           <a:prstGeom prst="rect">
             <a:avLst/>
@@ -9117,7 +9123,7 @@
                 <a:latin typeface="Calibri" panose="020F0502020204030204" pitchFamily="34" charset="0"/>
                 <a:cs typeface="Calibri" panose="020F0502020204030204" pitchFamily="34" charset="0"/>
               </a:rPr>
-              <a:t>TLV is mandatory when used and if responder does not support, it MUST return Error </a:t>
+              <a:t>TLV is mandatory when carried in a probe query and if responder does not support, it MUST return Error </a:t>
             </a:r>
             <a:r>
               <a:rPr lang="en-CA" sz="1600" b="1" dirty="0">
@@ -10213,7 +10219,7 @@
             </a:pPr>
             <a:r>
               <a:rPr lang="en-US" sz="1800" dirty="0"/>
-              <a:t>Sending PM probe queries that can take advantage of the hashing function in forwarding plane.</a:t>
+              <a:t>Sending probe queries that can take advantage of the hashing function in forwarding plane.</a:t>
             </a:r>
           </a:p>
           <a:p>
@@ -11577,7 +11583,7 @@
                 <a:latin typeface="Calibri" panose="020F0502020204030204" pitchFamily="34" charset="0"/>
                 <a:cs typeface="Calibri" panose="020F0502020204030204" pitchFamily="34" charset="0"/>
               </a:rPr>
-              <a:t>Reference for message processing rules </a:t>
+              <a:t>Reference for probe message processing rules </a:t>
             </a:r>
           </a:p>
           <a:p>
@@ -12667,8 +12673,8 @@
         </p:nvSpPr>
         <p:spPr>
           <a:xfrm>
-            <a:off x="457200" y="897337"/>
-            <a:ext cx="8343900" cy="1451056"/>
+            <a:off x="476250" y="846305"/>
+            <a:ext cx="8343900" cy="1603418"/>
           </a:xfrm>
         </p:spPr>
         <p:txBody>
@@ -12696,6 +12702,12 @@
             <a:r>
               <a:rPr lang="en-US" sz="1400" dirty="0"/>
               <a:t>User-configured UDP port TBD2 is used for identifying LM probe packets.</a:t>
+            </a:r>
+          </a:p>
+          <a:p>
+            <a:r>
+              <a:rPr lang="en-US" sz="1400" dirty="0"/>
+              <a:t>User-configured UDP port TBD3 is used for identifying Combined LM+DM probe packets.</a:t>
             </a:r>
           </a:p>
           <a:p>
@@ -12717,7 +12729,7 @@
         </p:nvSpPr>
         <p:spPr>
           <a:xfrm>
-            <a:off x="2209800" y="2432244"/>
+            <a:off x="2209800" y="2558621"/>
             <a:ext cx="5029200" cy="2169825"/>
           </a:xfrm>
           <a:prstGeom prst="rect">

--- a/draft-gandhi-spring-rfc6374-srpm-udp-4.pptx
+++ b/draft-gandhi-spring-rfc6374-srpm-udp-4.pptx
@@ -5727,7 +5727,7 @@
                 <a:ea typeface="Courier" charset="0"/>
                 <a:cs typeface="Courier" charset="0"/>
               </a:rPr>
-              <a:t>|   Message for DM or LM Query with IP/UDP Header               |</a:t>
+              <a:t>|   Message for DM or LM or LM/DM Query with IP/UDP Header      |</a:t>
             </a:r>
           </a:p>
           <a:p>
@@ -6044,7 +6044,7 @@
         <p:spPr>
           <a:xfrm>
             <a:off x="4169568" y="2038350"/>
-            <a:ext cx="4136231" cy="3293209"/>
+            <a:ext cx="4136231" cy="3416320"/>
           </a:xfrm>
           <a:prstGeom prst="rect">
             <a:avLst/>
@@ -6381,7 +6381,7 @@
                 <a:ea typeface="Courier" charset="0"/>
                 <a:cs typeface="Courier" charset="0"/>
               </a:rPr>
-              <a:t>|   Message for DM or LM Query                                  |</a:t>
+              <a:t>|   Message for DM or LM or LM/DM Query                         |</a:t>
             </a:r>
           </a:p>
           <a:p>
@@ -12673,8 +12673,8 @@
         </p:nvSpPr>
         <p:spPr>
           <a:xfrm>
-            <a:off x="476250" y="846305"/>
-            <a:ext cx="8343900" cy="1603418"/>
+            <a:off x="533400" y="846305"/>
+            <a:ext cx="8001000" cy="1420645"/>
           </a:xfrm>
         </p:spPr>
         <p:txBody>
@@ -12682,36 +12682,36 @@
           <a:lstStyle/>
           <a:p>
             <a:r>
-              <a:rPr lang="en-US" sz="1400" dirty="0"/>
+              <a:rPr lang="en-US" sz="1200" dirty="0"/>
               <a:t>IP/UDP path is defined for PM probe query messages for delay and loss measurements for SR links and end-to-end P2P and P2MP SR Paths.</a:t>
             </a:r>
           </a:p>
           <a:p>
             <a:r>
-              <a:rPr lang="en-US" sz="1400" dirty="0"/>
+              <a:rPr lang="en-US" sz="1200" dirty="0"/>
               <a:t>Payload contains [RFC6374] defined message for DM or LM.</a:t>
             </a:r>
           </a:p>
           <a:p>
             <a:r>
-              <a:rPr lang="en-US" sz="1400" dirty="0"/>
+              <a:rPr lang="en-US" sz="1200" dirty="0"/>
               <a:t>User-configured UDP port TBA1 is used for identifying DM probe packets.</a:t>
             </a:r>
           </a:p>
           <a:p>
             <a:r>
-              <a:rPr lang="en-US" sz="1400" dirty="0"/>
+              <a:rPr lang="en-US" sz="1200" dirty="0"/>
               <a:t>User-configured UDP port TBD2 is used for identifying LM probe packets.</a:t>
             </a:r>
           </a:p>
           <a:p>
             <a:r>
-              <a:rPr lang="en-US" sz="1400" dirty="0"/>
+              <a:rPr lang="en-US" sz="1200" dirty="0"/>
               <a:t>User-configured UDP port TBD3 is used for identifying Combined LM+DM probe packets.</a:t>
             </a:r>
           </a:p>
           <a:p>
-            <a:endParaRPr lang="en-US" sz="1400" dirty="0"/>
+            <a:endParaRPr lang="en-US" sz="1200" dirty="0"/>
           </a:p>
         </p:txBody>
       </p:sp>
@@ -12729,7 +12729,7 @@
         </p:nvSpPr>
         <p:spPr>
           <a:xfrm>
-            <a:off x="2209800" y="2558621"/>
+            <a:off x="2209800" y="2441718"/>
             <a:ext cx="5029200" cy="2169825"/>
           </a:xfrm>
           <a:prstGeom prst="rect">
@@ -13232,7 +13232,7 @@
                 <a:ea typeface="Times New Roman" panose="02020603050405020304" pitchFamily="18" charset="0"/>
                 <a:cs typeface="Times New Roman" panose="02020603050405020304" pitchFamily="18" charset="0"/>
               </a:rPr>
-              <a:t>    | Payload = Message as specified in RFC 6374 for DM and LM      |</a:t>
+              <a:t>    | Payload = Message as specified in RFC 6374 for DM, LM, LM/DM  |</a:t>
             </a:r>
             <a:endParaRPr lang="en-CA" sz="900" dirty="0">
               <a:latin typeface="Courier" pitchFamily="2" charset="0"/>

--- a/draft-gandhi-spring-rfc6374-srpm-udp-4.pptx
+++ b/draft-gandhi-spring-rfc6374-srpm-udp-4.pptx
@@ -8932,7 +8932,7 @@
         </p:nvSpPr>
         <p:spPr>
           <a:xfrm>
-            <a:off x="234417" y="1009913"/>
+            <a:off x="234417" y="1457215"/>
             <a:ext cx="3664395" cy="2002728"/>
           </a:xfrm>
           <a:prstGeom prst="rect">
@@ -9080,59 +9080,6 @@
               <a:t>] of the Reverse SR Policy</a:t>
             </a:r>
             <a:endParaRPr lang="en-US" sz="1600" dirty="0">
-              <a:latin typeface="Calibri" panose="020F0502020204030204" pitchFamily="34" charset="0"/>
-              <a:cs typeface="Calibri" panose="020F0502020204030204" pitchFamily="34" charset="0"/>
-            </a:endParaRPr>
-          </a:p>
-        </p:txBody>
-      </p:sp>
-      <p:sp>
-        <p:nvSpPr>
-          <p:cNvPr id="7" name="TextBox 6">
-            <a:extLst>
-              <a:ext uri="{FF2B5EF4-FFF2-40B4-BE49-F238E27FC236}">
-                <a16:creationId xmlns:a16="http://schemas.microsoft.com/office/drawing/2014/main" id="{BC588423-55EC-4340-8BD0-816D2C153886}"/>
-              </a:ext>
-            </a:extLst>
-          </p:cNvPr>
-          <p:cNvSpPr txBox="1"/>
-          <p:nvPr/>
-        </p:nvSpPr>
-        <p:spPr>
-          <a:xfrm>
-            <a:off x="234416" y="3398621"/>
-            <a:ext cx="3664394" cy="1323439"/>
-          </a:xfrm>
-          <a:prstGeom prst="rect">
-            <a:avLst/>
-          </a:prstGeom>
-          <a:noFill/>
-        </p:spPr>
-        <p:txBody>
-          <a:bodyPr wrap="square" rtlCol="0">
-            <a:spAutoFit/>
-          </a:bodyPr>
-          <a:lstStyle/>
-          <a:p>
-            <a:pPr marL="285750" indent="-285750">
-              <a:buFont typeface="Arial" panose="020B0604020202020204" pitchFamily="34" charset="0"/>
-              <a:buChar char="•"/>
-            </a:pPr>
-            <a:r>
-              <a:rPr lang="en-US" sz="1600" b="1" dirty="0">
-                <a:latin typeface="Calibri" panose="020F0502020204030204" pitchFamily="34" charset="0"/>
-                <a:cs typeface="Calibri" panose="020F0502020204030204" pitchFamily="34" charset="0"/>
-              </a:rPr>
-              <a:t>TLV is mandatory when carried in a probe query and if responder does not support, it MUST return Error </a:t>
-            </a:r>
-            <a:r>
-              <a:rPr lang="en-CA" sz="1600" b="1" dirty="0">
-                <a:latin typeface="Calibri" panose="020F0502020204030204" pitchFamily="34" charset="0"/>
-                <a:cs typeface="Calibri" panose="020F0502020204030204" pitchFamily="34" charset="0"/>
-              </a:rPr>
-              <a:t>0x17: Unsupported Mandatory TLV Object</a:t>
-            </a:r>
-            <a:endParaRPr lang="en-US" sz="1600" b="1" dirty="0">
               <a:latin typeface="Calibri" panose="020F0502020204030204" pitchFamily="34" charset="0"/>
               <a:cs typeface="Calibri" panose="020F0502020204030204" pitchFamily="34" charset="0"/>
             </a:endParaRPr>
@@ -12689,7 +12636,7 @@
           <a:p>
             <a:r>
               <a:rPr lang="en-US" sz="1200" dirty="0"/>
-              <a:t>Payload contains [RFC6374] defined message for DM or LM.</a:t>
+              <a:t>Payload contains [RFC6374] defined message for DM or LM or Combined LM/DM.</a:t>
             </a:r>
           </a:p>
           <a:p>
@@ -12707,7 +12654,7 @@
           <a:p>
             <a:r>
               <a:rPr lang="en-US" sz="1200" dirty="0"/>
-              <a:t>User-configured UDP port TBD3 is used for identifying Combined LM+DM probe packets.</a:t>
+              <a:t>User-configured UDP port TBD3 is used for identifying Combined LM/DM probe packets.</a:t>
             </a:r>
           </a:p>
           <a:p>

--- a/draft-gandhi-spring-rfc6374-srpm-udp-4.pptx
+++ b/draft-gandhi-spring-rfc6374-srpm-udp-4.pptx
@@ -258,7 +258,7 @@
           <a:p>
             <a:fld id="{E8FA3DB5-7722-3F4F-947D-12B203669AD7}" type="datetimeFigureOut">
               <a:rPr lang="en-US" smtClean="0"/>
-              <a:t>6/10/20</a:t>
+              <a:t>7/6/20</a:t>
             </a:fld>
             <a:endParaRPr lang="en-US"/>
           </a:p>
@@ -5451,20 +5451,17 @@
           <a:bodyPr/>
           <a:lstStyle/>
           <a:p>
-            <a:pPr>
-              <a:defRPr/>
-            </a:pPr>
-            <a:r>
-              <a:rPr lang="en-US" altLang="zh-CN" dirty="0"/>
+            <a:r>
+              <a:rPr lang="en-CA" dirty="0"/>
               <a:t>108</a:t>
             </a:r>
             <a:r>
-              <a:rPr lang="en-US" altLang="zh-CN" baseline="30000" dirty="0"/>
+              <a:rPr lang="en-CA" baseline="30000" dirty="0"/>
               <a:t>th</a:t>
             </a:r>
             <a:r>
-              <a:rPr lang="en-US" altLang="zh-CN" dirty="0"/>
-              <a:t> IETF @ Madrid</a:t>
+              <a:rPr lang="en-CA" dirty="0"/>
+              <a:t> IETF Online</a:t>
             </a:r>
           </a:p>
         </p:txBody>
@@ -5577,20 +5574,17 @@
           <a:bodyPr/>
           <a:lstStyle/>
           <a:p>
-            <a:pPr>
-              <a:defRPr/>
-            </a:pPr>
-            <a:r>
-              <a:rPr lang="en-US" altLang="zh-CN" dirty="0"/>
+            <a:r>
+              <a:rPr lang="en-CA" dirty="0"/>
               <a:t>108</a:t>
             </a:r>
             <a:r>
-              <a:rPr lang="en-US" altLang="zh-CN" baseline="30000" dirty="0"/>
+              <a:rPr lang="en-CA" baseline="30000" dirty="0"/>
               <a:t>th</a:t>
             </a:r>
             <a:r>
-              <a:rPr lang="en-US" altLang="zh-CN" dirty="0"/>
-              <a:t> IETF @ Madrid</a:t>
+              <a:rPr lang="en-CA" dirty="0"/>
+              <a:t> IETF Online</a:t>
             </a:r>
           </a:p>
         </p:txBody>
@@ -6509,20 +6503,17 @@
           <a:bodyPr/>
           <a:lstStyle/>
           <a:p>
-            <a:pPr>
-              <a:defRPr/>
-            </a:pPr>
-            <a:r>
-              <a:rPr lang="en-US" altLang="zh-CN" dirty="0"/>
+            <a:r>
+              <a:rPr lang="en-CA" dirty="0"/>
               <a:t>108</a:t>
             </a:r>
             <a:r>
-              <a:rPr lang="en-US" altLang="zh-CN" baseline="30000" dirty="0"/>
+              <a:rPr lang="en-CA" baseline="30000" dirty="0"/>
               <a:t>th</a:t>
             </a:r>
             <a:r>
-              <a:rPr lang="en-US" altLang="zh-CN" dirty="0"/>
-              <a:t> IETF @ Madrid</a:t>
+              <a:rPr lang="en-CA" dirty="0"/>
+              <a:t> IETF Online</a:t>
             </a:r>
           </a:p>
         </p:txBody>
@@ -8644,20 +8635,17 @@
           <a:bodyPr/>
           <a:lstStyle/>
           <a:p>
-            <a:pPr>
-              <a:defRPr/>
-            </a:pPr>
-            <a:r>
-              <a:rPr lang="en-US" altLang="zh-CN" dirty="0"/>
+            <a:r>
+              <a:rPr lang="en-CA" dirty="0"/>
               <a:t>108</a:t>
             </a:r>
             <a:r>
-              <a:rPr lang="en-US" altLang="zh-CN" baseline="30000" dirty="0"/>
+              <a:rPr lang="en-CA" baseline="30000" dirty="0"/>
               <a:t>th</a:t>
             </a:r>
             <a:r>
-              <a:rPr lang="en-US" altLang="zh-CN" dirty="0"/>
-              <a:t> IETF @ Madrid</a:t>
+              <a:rPr lang="en-CA" dirty="0"/>
+              <a:t> IETF Online</a:t>
             </a:r>
           </a:p>
         </p:txBody>
@@ -9480,20 +9468,17 @@
           <a:bodyPr/>
           <a:lstStyle/>
           <a:p>
-            <a:pPr>
-              <a:defRPr/>
-            </a:pPr>
-            <a:r>
-              <a:rPr lang="en-US" altLang="zh-CN" dirty="0"/>
+            <a:r>
+              <a:rPr lang="en-CA" dirty="0"/>
               <a:t>108</a:t>
             </a:r>
             <a:r>
-              <a:rPr lang="en-US" altLang="zh-CN" baseline="30000" dirty="0"/>
+              <a:rPr lang="en-CA" baseline="30000" dirty="0"/>
               <a:t>th</a:t>
             </a:r>
             <a:r>
-              <a:rPr lang="en-US" altLang="zh-CN" dirty="0"/>
-              <a:t> IETF @ Madrid</a:t>
+              <a:rPr lang="en-CA" dirty="0"/>
+              <a:t> IETF Online</a:t>
             </a:r>
           </a:p>
         </p:txBody>
@@ -10261,20 +10246,17 @@
           <a:bodyPr/>
           <a:lstStyle/>
           <a:p>
-            <a:pPr>
-              <a:defRPr/>
-            </a:pPr>
-            <a:r>
-              <a:rPr lang="en-US" altLang="zh-CN" dirty="0"/>
+            <a:r>
+              <a:rPr lang="en-CA" dirty="0"/>
               <a:t>108</a:t>
             </a:r>
             <a:r>
-              <a:rPr lang="en-US" altLang="zh-CN" baseline="30000" dirty="0"/>
+              <a:rPr lang="en-CA" baseline="30000" dirty="0"/>
               <a:t>th</a:t>
             </a:r>
             <a:r>
-              <a:rPr lang="en-US" altLang="zh-CN" dirty="0"/>
-              <a:t> IETF @ Madrid</a:t>
+              <a:rPr lang="en-CA" dirty="0"/>
+              <a:t> IETF Online</a:t>
             </a:r>
           </a:p>
         </p:txBody>
@@ -10350,7 +10332,7 @@
         </p:nvSpPr>
         <p:spPr>
           <a:xfrm>
-            <a:off x="3124200" y="4786312"/>
+            <a:off x="3200400" y="4786312"/>
             <a:ext cx="2895600" cy="357188"/>
           </a:xfrm>
         </p:spPr>
@@ -10358,20 +10340,17 @@
           <a:bodyPr/>
           <a:lstStyle/>
           <a:p>
-            <a:pPr>
-              <a:defRPr/>
-            </a:pPr>
-            <a:r>
-              <a:rPr lang="en-US" altLang="zh-CN" dirty="0"/>
+            <a:r>
+              <a:rPr lang="en-CA" dirty="0"/>
               <a:t>108</a:t>
             </a:r>
             <a:r>
-              <a:rPr lang="en-US" altLang="zh-CN" baseline="30000" dirty="0"/>
+              <a:rPr lang="en-CA" baseline="30000" dirty="0"/>
               <a:t>th</a:t>
             </a:r>
             <a:r>
-              <a:rPr lang="en-US" altLang="zh-CN" dirty="0"/>
-              <a:t> IETF @ Madrid</a:t>
+              <a:rPr lang="en-CA" dirty="0"/>
+              <a:t> IETF Online</a:t>
             </a:r>
           </a:p>
         </p:txBody>
@@ -10739,20 +10718,17 @@
           <a:bodyPr/>
           <a:lstStyle/>
           <a:p>
-            <a:pPr>
-              <a:defRPr/>
-            </a:pPr>
-            <a:r>
-              <a:rPr lang="en-US" altLang="zh-CN" dirty="0"/>
+            <a:r>
+              <a:rPr lang="en-CA" dirty="0"/>
               <a:t>108</a:t>
             </a:r>
             <a:r>
-              <a:rPr lang="en-US" altLang="zh-CN" baseline="30000" dirty="0"/>
+              <a:rPr lang="en-CA" baseline="30000" dirty="0"/>
               <a:t>th</a:t>
             </a:r>
             <a:r>
-              <a:rPr lang="en-US" altLang="zh-CN" dirty="0"/>
-              <a:t> IETF @ Madrid</a:t>
+              <a:rPr lang="en-CA" dirty="0"/>
+              <a:t> IETF Online</a:t>
             </a:r>
           </a:p>
         </p:txBody>
@@ -11002,20 +10978,17 @@
           <a:bodyPr/>
           <a:lstStyle/>
           <a:p>
-            <a:pPr>
-              <a:defRPr/>
-            </a:pPr>
-            <a:r>
-              <a:rPr lang="en-US" altLang="zh-CN" dirty="0"/>
+            <a:r>
+              <a:rPr lang="en-CA" dirty="0"/>
               <a:t>108</a:t>
             </a:r>
             <a:r>
-              <a:rPr lang="en-US" altLang="zh-CN" baseline="30000" dirty="0"/>
+              <a:rPr lang="en-CA" baseline="30000" dirty="0"/>
               <a:t>th</a:t>
             </a:r>
             <a:r>
-              <a:rPr lang="en-US" altLang="zh-CN" dirty="0"/>
-              <a:t> IETF @ Madrid</a:t>
+              <a:rPr lang="en-CA" dirty="0"/>
+              <a:t> IETF Online</a:t>
             </a:r>
           </a:p>
         </p:txBody>
@@ -11339,20 +11312,17 @@
           <a:bodyPr/>
           <a:lstStyle/>
           <a:p>
-            <a:pPr>
-              <a:defRPr/>
-            </a:pPr>
-            <a:r>
-              <a:rPr lang="en-US" altLang="zh-CN" dirty="0"/>
+            <a:r>
+              <a:rPr lang="en-CA" dirty="0"/>
               <a:t>108</a:t>
             </a:r>
             <a:r>
-              <a:rPr lang="en-US" altLang="zh-CN" baseline="30000" dirty="0"/>
+              <a:rPr lang="en-CA" baseline="30000" dirty="0"/>
               <a:t>th</a:t>
             </a:r>
             <a:r>
-              <a:rPr lang="en-US" altLang="zh-CN" dirty="0"/>
-              <a:t> IETF @ Madrid</a:t>
+              <a:rPr lang="en-CA" dirty="0"/>
+              <a:t> IETF Online</a:t>
             </a:r>
           </a:p>
         </p:txBody>
@@ -11708,20 +11678,17 @@
           <a:bodyPr/>
           <a:lstStyle/>
           <a:p>
-            <a:pPr>
-              <a:defRPr/>
-            </a:pPr>
-            <a:r>
-              <a:rPr lang="en-US" altLang="zh-CN" dirty="0"/>
+            <a:r>
+              <a:rPr lang="en-CA" dirty="0"/>
               <a:t>108</a:t>
             </a:r>
             <a:r>
-              <a:rPr lang="en-US" altLang="zh-CN" baseline="30000" dirty="0"/>
+              <a:rPr lang="en-CA" baseline="30000" dirty="0"/>
               <a:t>th</a:t>
             </a:r>
             <a:r>
-              <a:rPr lang="en-US" altLang="zh-CN" dirty="0"/>
-              <a:t> IETF @ Madrid</a:t>
+              <a:rPr lang="en-CA" dirty="0"/>
+              <a:t> IETF Online</a:t>
             </a:r>
           </a:p>
         </p:txBody>
@@ -11888,20 +11855,17 @@
           <a:bodyPr/>
           <a:lstStyle/>
           <a:p>
-            <a:pPr>
-              <a:defRPr/>
-            </a:pPr>
-            <a:r>
-              <a:rPr lang="en-US" altLang="zh-CN" dirty="0"/>
+            <a:r>
+              <a:rPr lang="en-CA" dirty="0"/>
               <a:t>108</a:t>
             </a:r>
             <a:r>
-              <a:rPr lang="en-US" altLang="zh-CN" baseline="30000" dirty="0"/>
+              <a:rPr lang="en-CA" baseline="30000" dirty="0"/>
               <a:t>th</a:t>
             </a:r>
             <a:r>
-              <a:rPr lang="en-US" altLang="zh-CN" dirty="0"/>
-              <a:t> IETF @ Madrid</a:t>
+              <a:rPr lang="en-CA" dirty="0"/>
+              <a:t> IETF Online</a:t>
             </a:r>
           </a:p>
         </p:txBody>
@@ -11977,7 +11941,7 @@
         </p:nvSpPr>
         <p:spPr>
           <a:xfrm>
-            <a:off x="3200400" y="4786312"/>
+            <a:off x="3200400" y="4787706"/>
             <a:ext cx="2895600" cy="357188"/>
           </a:xfrm>
         </p:spPr>
@@ -11985,20 +11949,17 @@
           <a:bodyPr/>
           <a:lstStyle/>
           <a:p>
-            <a:pPr>
-              <a:defRPr/>
-            </a:pPr>
-            <a:r>
-              <a:rPr lang="en-US" altLang="zh-CN" dirty="0"/>
+            <a:r>
+              <a:rPr lang="en-CA" dirty="0"/>
               <a:t>108</a:t>
             </a:r>
             <a:r>
-              <a:rPr lang="en-US" altLang="zh-CN" baseline="30000" dirty="0"/>
+              <a:rPr lang="en-CA" baseline="30000" dirty="0"/>
               <a:t>th</a:t>
             </a:r>
             <a:r>
-              <a:rPr lang="en-US" altLang="zh-CN" dirty="0"/>
-              <a:t> IETF @ Madrid</a:t>
+              <a:rPr lang="en-CA" dirty="0"/>
+              <a:t> IETF Online</a:t>
             </a:r>
           </a:p>
         </p:txBody>
@@ -12263,7 +12224,7 @@
         </p:nvSpPr>
         <p:spPr>
           <a:xfrm>
-            <a:off x="3200400" y="4786312"/>
+            <a:off x="3124200" y="4795140"/>
             <a:ext cx="2895600" cy="357188"/>
           </a:xfrm>
         </p:spPr>
@@ -12271,20 +12232,17 @@
           <a:bodyPr/>
           <a:lstStyle/>
           <a:p>
-            <a:pPr>
-              <a:defRPr/>
-            </a:pPr>
-            <a:r>
-              <a:rPr lang="en-US" altLang="zh-CN" dirty="0"/>
+            <a:r>
+              <a:rPr lang="en-CA" dirty="0"/>
               <a:t>108</a:t>
             </a:r>
             <a:r>
-              <a:rPr lang="en-US" altLang="zh-CN" baseline="30000" dirty="0"/>
+              <a:rPr lang="en-CA" baseline="30000" dirty="0"/>
               <a:t>th</a:t>
             </a:r>
             <a:r>
-              <a:rPr lang="en-US" altLang="zh-CN" dirty="0"/>
-              <a:t> IETF @ Madrid</a:t>
+              <a:rPr lang="en-CA" dirty="0"/>
+              <a:t> IETF Online</a:t>
             </a:r>
           </a:p>
         </p:txBody>
@@ -12590,20 +12548,17 @@
           <a:bodyPr/>
           <a:lstStyle/>
           <a:p>
-            <a:pPr>
-              <a:defRPr/>
-            </a:pPr>
-            <a:r>
-              <a:rPr lang="en-US" altLang="zh-CN" dirty="0"/>
+            <a:r>
+              <a:rPr lang="en-CA" dirty="0"/>
               <a:t>108</a:t>
             </a:r>
             <a:r>
-              <a:rPr lang="en-US" altLang="zh-CN" baseline="30000" dirty="0"/>
+              <a:rPr lang="en-CA" baseline="30000" dirty="0"/>
               <a:t>th</a:t>
             </a:r>
             <a:r>
-              <a:rPr lang="en-US" altLang="zh-CN" dirty="0"/>
-              <a:t> IETF @ Madrid</a:t>
+              <a:rPr lang="en-CA" dirty="0"/>
+              <a:t> IETF Online</a:t>
             </a:r>
           </a:p>
         </p:txBody>
